--- a/presentations/Malaysia/PNNL_UTM_May_2022.pptx
+++ b/presentations/Malaysia/PNNL_UTM_May_2022.pptx
@@ -5,10 +5,10 @@
     <p:sldMasterId id="2147483723" r:id="rId1"/>
   </p:sldMasterIdLst>
   <p:notesMasterIdLst>
-    <p:notesMasterId r:id="rId9"/>
+    <p:notesMasterId r:id="rId11"/>
   </p:notesMasterIdLst>
   <p:handoutMasterIdLst>
-    <p:handoutMasterId r:id="rId10"/>
+    <p:handoutMasterId r:id="rId12"/>
   </p:handoutMasterIdLst>
   <p:sldIdLst>
     <p:sldId id="260" r:id="rId2"/>
@@ -17,7 +17,9 @@
     <p:sldId id="286" r:id="rId5"/>
     <p:sldId id="289" r:id="rId6"/>
     <p:sldId id="277" r:id="rId7"/>
-    <p:sldId id="268" r:id="rId8"/>
+    <p:sldId id="290" r:id="rId8"/>
+    <p:sldId id="291" r:id="rId9"/>
+    <p:sldId id="268" r:id="rId10"/>
   </p:sldIdLst>
   <p:sldSz cx="14630400" cy="8229600"/>
   <p:notesSz cx="6858000" cy="9144000"/>
@@ -221,7 +223,7 @@
           <a:p>
             <a:fld id="{C06E50B8-2EF8-564F-AE86-D84E6C503530}" type="datetimeFigureOut">
               <a:rPr lang="en-US" smtClean="0"/>
-              <a:t>4/28/2022</a:t>
+              <a:t>5/4/2022</a:t>
             </a:fld>
             <a:endParaRPr lang="en-US" dirty="0"/>
           </a:p>
@@ -398,7 +400,7 @@
           <a:p>
             <a:fld id="{13AC8D20-1945-7145-91A2-3D134BDA25E2}" type="datetimeFigureOut">
               <a:rPr lang="en-US" smtClean="0"/>
-              <a:t>4/28/2022</a:t>
+              <a:t>5/4/2022</a:t>
             </a:fld>
             <a:endParaRPr lang="en-US" dirty="0"/>
           </a:p>
@@ -1004,6 +1006,90 @@
 </p:notes>
 </file>
 
+<file path=ppt/notesSlides/notesSlide5.xml><?xml version="1.0" encoding="utf-8"?>
+<p:notes xmlns:a="http://schemas.openxmlformats.org/drawingml/2006/main" xmlns:r="http://schemas.openxmlformats.org/officeDocument/2006/relationships" xmlns:p="http://schemas.openxmlformats.org/presentationml/2006/main">
+  <p:cSld>
+    <p:spTree>
+      <p:nvGrpSpPr>
+        <p:cNvPr id="1" name=""/>
+        <p:cNvGrpSpPr/>
+        <p:nvPr/>
+      </p:nvGrpSpPr>
+      <p:grpSpPr>
+        <a:xfrm>
+          <a:off x="0" y="0"/>
+          <a:ext cx="0" cy="0"/>
+          <a:chOff x="0" y="0"/>
+          <a:chExt cx="0" cy="0"/>
+        </a:xfrm>
+      </p:grpSpPr>
+      <p:sp>
+        <p:nvSpPr>
+          <p:cNvPr id="2" name="Slide Image Placeholder 1"/>
+          <p:cNvSpPr>
+            <a:spLocks noGrp="1" noRot="1" noChangeAspect="1"/>
+          </p:cNvSpPr>
+          <p:nvPr>
+            <p:ph type="sldImg"/>
+          </p:nvPr>
+        </p:nvSpPr>
+        <p:spPr/>
+      </p:sp>
+      <p:sp>
+        <p:nvSpPr>
+          <p:cNvPr id="3" name="Notes Placeholder 2"/>
+          <p:cNvSpPr>
+            <a:spLocks noGrp="1"/>
+          </p:cNvSpPr>
+          <p:nvPr>
+            <p:ph type="body" idx="1"/>
+          </p:nvPr>
+        </p:nvSpPr>
+        <p:spPr/>
+        <p:txBody>
+          <a:bodyPr/>
+          <a:lstStyle/>
+          <a:p>
+            <a:endParaRPr lang="en-US"/>
+          </a:p>
+        </p:txBody>
+      </p:sp>
+      <p:sp>
+        <p:nvSpPr>
+          <p:cNvPr id="4" name="Slide Number Placeholder 3"/>
+          <p:cNvSpPr>
+            <a:spLocks noGrp="1"/>
+          </p:cNvSpPr>
+          <p:nvPr>
+            <p:ph type="sldNum" sz="quarter" idx="5"/>
+          </p:nvPr>
+        </p:nvSpPr>
+        <p:spPr/>
+        <p:txBody>
+          <a:bodyPr/>
+          <a:lstStyle/>
+          <a:p>
+            <a:fld id="{710104DB-87CA-D64F-AB86-DB2520DDF5D7}" type="slidenum">
+              <a:rPr lang="en-US" smtClean="0"/>
+              <a:t>7</a:t>
+            </a:fld>
+            <a:endParaRPr lang="en-US" dirty="0"/>
+          </a:p>
+        </p:txBody>
+      </p:sp>
+    </p:spTree>
+    <p:extLst>
+      <p:ext uri="{BB962C8B-B14F-4D97-AF65-F5344CB8AC3E}">
+        <p14:creationId xmlns:p14="http://schemas.microsoft.com/office/powerpoint/2010/main" val="3950068030"/>
+      </p:ext>
+    </p:extLst>
+  </p:cSld>
+  <p:clrMapOvr>
+    <a:masterClrMapping/>
+  </p:clrMapOvr>
+</p:notes>
+</file>
+
 <file path=ppt/slideLayouts/slideLayout1.xml><?xml version="1.0" encoding="utf-8"?>
 <p:sldLayout xmlns:a="http://schemas.openxmlformats.org/drawingml/2006/main" xmlns:r="http://schemas.openxmlformats.org/officeDocument/2006/relationships" xmlns:p="http://schemas.openxmlformats.org/presentationml/2006/main" preserve="1" userDrawn="1">
   <p:cSld name="1_Title Slide_Plain_Black">
@@ -1460,7 +1546,7 @@
           <a:p>
             <a:fld id="{ABD4F8E3-4ED9-44B4-99E6-8A3D2CF8D415}" type="datetime4">
               <a:rPr lang="en-US" smtClean="0"/>
-              <a:t>April 28, 2022</a:t>
+              <a:t>May 4, 2022</a:t>
             </a:fld>
             <a:endParaRPr lang="en-US" dirty="0"/>
           </a:p>
@@ -2010,7 +2096,7 @@
             <a:fld id="{9B7EE7B1-A6C1-4E39-8665-A73ED03F32E1}" type="datetimeFigureOut">
               <a:rPr lang="en-US" smtClean="0"/>
               <a:pPr/>
-              <a:t>4/28/2022</a:t>
+              <a:t>5/4/2022</a:t>
             </a:fld>
             <a:endParaRPr lang="en-US" dirty="0"/>
           </a:p>
@@ -2477,7 +2563,7 @@
             <a:fld id="{9B7EE7B1-A6C1-4E39-8665-A73ED03F32E1}" type="datetimeFigureOut">
               <a:rPr lang="en-US" smtClean="0"/>
               <a:pPr/>
-              <a:t>4/28/2022</a:t>
+              <a:t>5/4/2022</a:t>
             </a:fld>
             <a:endParaRPr lang="en-US" dirty="0"/>
           </a:p>
@@ -2944,7 +3030,7 @@
             <a:fld id="{9B7EE7B1-A6C1-4E39-8665-A73ED03F32E1}" type="datetimeFigureOut">
               <a:rPr lang="en-US" smtClean="0"/>
               <a:pPr/>
-              <a:t>4/28/2022</a:t>
+              <a:t>5/4/2022</a:t>
             </a:fld>
             <a:endParaRPr lang="en-US" dirty="0"/>
           </a:p>
@@ -3911,7 +3997,7 @@
             <a:fld id="{9B7EE7B1-A6C1-4E39-8665-A73ED03F32E1}" type="datetimeFigureOut">
               <a:rPr lang="en-US" smtClean="0"/>
               <a:pPr/>
-              <a:t>4/28/2022</a:t>
+              <a:t>5/4/2022</a:t>
             </a:fld>
             <a:endParaRPr lang="en-US" dirty="0"/>
           </a:p>
@@ -5068,7 +5154,7 @@
             <a:fld id="{9B7EE7B1-A6C1-4E39-8665-A73ED03F32E1}" type="datetimeFigureOut">
               <a:rPr lang="en-US" smtClean="0"/>
               <a:pPr/>
-              <a:t>4/28/2022</a:t>
+              <a:t>5/4/2022</a:t>
             </a:fld>
             <a:endParaRPr lang="en-US" dirty="0"/>
           </a:p>
@@ -6252,7 +6338,7 @@
             <a:fld id="{9B7EE7B1-A6C1-4E39-8665-A73ED03F32E1}" type="datetimeFigureOut">
               <a:rPr lang="en-US" smtClean="0"/>
               <a:pPr/>
-              <a:t>4/28/2022</a:t>
+              <a:t>5/4/2022</a:t>
             </a:fld>
             <a:endParaRPr lang="en-US" dirty="0"/>
           </a:p>
@@ -6569,7 +6655,7 @@
             <a:fld id="{9B7EE7B1-A6C1-4E39-8665-A73ED03F32E1}" type="datetimeFigureOut">
               <a:rPr lang="en-US" smtClean="0"/>
               <a:pPr/>
-              <a:t>4/28/2022</a:t>
+              <a:t>5/4/2022</a:t>
             </a:fld>
             <a:endParaRPr lang="en-US" dirty="0"/>
           </a:p>
@@ -7628,27 +7714,6 @@
             </a:r>
           </a:p>
           <a:p>
-            <a:pPr lvl="1"/>
-            <a:r>
-              <a:rPr lang="en-US" dirty="0"/>
-              <a:t>PNNL team</a:t>
-            </a:r>
-          </a:p>
-          <a:p>
-            <a:pPr lvl="1"/>
-            <a:r>
-              <a:rPr lang="en-US" dirty="0"/>
-              <a:t>UTM team</a:t>
-            </a:r>
-          </a:p>
-          <a:p>
-            <a:pPr lvl="1"/>
-            <a:r>
-              <a:rPr lang="en-US" dirty="0"/>
-              <a:t>Other involved parties</a:t>
-            </a:r>
-          </a:p>
-          <a:p>
             <a:r>
               <a:rPr lang="en-US" dirty="0"/>
               <a:t>Subcontract &amp; timeline</a:t>
@@ -7661,20 +7726,6 @@
             </a:r>
           </a:p>
           <a:p>
-            <a:pPr lvl="1"/>
-            <a:r>
-              <a:rPr lang="en-US" dirty="0"/>
-              <a:t>PNNL updates &amp; webpage overview</a:t>
-            </a:r>
-          </a:p>
-          <a:p>
-            <a:pPr lvl="1"/>
-            <a:r>
-              <a:rPr lang="en-US" dirty="0"/>
-              <a:t>UTM updates &amp; questions</a:t>
-            </a:r>
-          </a:p>
-          <a:p>
             <a:pPr lvl="0"/>
             <a:r>
               <a:rPr lang="en-US" dirty="0"/>
@@ -7682,18 +7733,16 @@
             </a:r>
           </a:p>
           <a:p>
-            <a:pPr lvl="1"/>
             <a:r>
               <a:rPr lang="en-US" dirty="0"/>
-              <a:t>UTM: share team members memo; start reviewing socioeconomic input data</a:t>
-            </a:r>
-          </a:p>
-          <a:p>
-            <a:pPr lvl="1"/>
-            <a:r>
-              <a:rPr lang="en-US" dirty="0"/>
-              <a:t>PNNL: share other input data &amp; assumptions;  begin sharing scenario 1 details</a:t>
-            </a:r>
+              <a:t>Data Needs and Questions</a:t>
+            </a:r>
+          </a:p>
+          <a:p>
+            <a:pPr marL="0" lvl="0" indent="0">
+              <a:buNone/>
+            </a:pPr>
+            <a:endParaRPr lang="en-US" dirty="0"/>
           </a:p>
         </p:txBody>
       </p:sp>
@@ -8090,6 +8139,24 @@
             </a:r>
           </a:p>
           <a:p>
+            <a:r>
+              <a:rPr lang="it-IT" sz="2000" dirty="0"/>
+              <a:t>Dr. Gabriel</a:t>
+            </a:r>
+          </a:p>
+          <a:p>
+            <a:r>
+              <a:rPr lang="it-IT" sz="2000" dirty="0"/>
+              <a:t>Dr. Siti Hajar</a:t>
+            </a:r>
+          </a:p>
+          <a:p>
+            <a:r>
+              <a:rPr lang="it-IT" sz="2000" dirty="0"/>
+              <a:t>3 More RA</a:t>
+            </a:r>
+          </a:p>
+          <a:p>
             <a:pPr marL="0" indent="0">
               <a:buNone/>
             </a:pPr>
@@ -8419,7 +8486,7 @@
           <a:p>
             <a:r>
               <a:rPr lang="en-US" dirty="0"/>
-              <a:t>Subcontract Timelines</a:t>
+              <a:t>Subcontract &amp; Timelines</a:t>
             </a:r>
           </a:p>
         </p:txBody>
@@ -8614,7 +8681,7 @@
           <a:p>
             <a:r>
               <a:rPr lang="en-US" dirty="0"/>
-              <a:t>Project Updates</a:t>
+              <a:t>Planning Sheet</a:t>
             </a:r>
           </a:p>
         </p:txBody>
@@ -8837,13 +8904,8 @@
             <a:pPr lvl="1"/>
             <a:r>
               <a:rPr lang="en-US" dirty="0"/>
-              <a:t>Begin Scenario </a:t>
-            </a:r>
-            <a:r>
-              <a:rPr lang="en-US"/>
-              <a:t>1 development</a:t>
-            </a:r>
-            <a:endParaRPr lang="en-US" dirty="0"/>
+              <a:t>Begin Scenario 1 development</a:t>
+            </a:r>
           </a:p>
           <a:p>
             <a:endParaRPr lang="en-US" dirty="0"/>
@@ -8897,7 +8959,7 @@
           <p:cNvPr id="2" name="Slide Number Placeholder 1">
             <a:extLst>
               <a:ext uri="{FF2B5EF4-FFF2-40B4-BE49-F238E27FC236}">
-                <a16:creationId xmlns:a16="http://schemas.microsoft.com/office/drawing/2014/main" id="{F7433BB6-ACB2-4953-9ADC-C0F78F3BD058}"/>
+                <a16:creationId xmlns:a16="http://schemas.microsoft.com/office/drawing/2014/main" id="{735271EF-CD2B-4AD0-AC84-64E6982AE9C5}"/>
               </a:ext>
             </a:extLst>
           </p:cNvPr>
@@ -8917,6 +8979,339 @@
               <a:rPr lang="en-US" smtClean="0"/>
               <a:pPr/>
               <a:t>7</a:t>
+            </a:fld>
+            <a:endParaRPr lang="en-US" dirty="0"/>
+          </a:p>
+        </p:txBody>
+      </p:sp>
+      <p:sp>
+        <p:nvSpPr>
+          <p:cNvPr id="3" name="Title 2">
+            <a:extLst>
+              <a:ext uri="{FF2B5EF4-FFF2-40B4-BE49-F238E27FC236}">
+                <a16:creationId xmlns:a16="http://schemas.microsoft.com/office/drawing/2014/main" id="{5890FADE-6FC9-437F-8C8F-A94E2F1FF940}"/>
+              </a:ext>
+            </a:extLst>
+          </p:cNvPr>
+          <p:cNvSpPr>
+            <a:spLocks noGrp="1"/>
+          </p:cNvSpPr>
+          <p:nvPr>
+            <p:ph type="title"/>
+          </p:nvPr>
+        </p:nvSpPr>
+        <p:spPr/>
+        <p:txBody>
+          <a:bodyPr/>
+          <a:lstStyle/>
+          <a:p>
+            <a:r>
+              <a:rPr lang="en-US" dirty="0"/>
+              <a:t>Data needs/questions</a:t>
+            </a:r>
+          </a:p>
+        </p:txBody>
+      </p:sp>
+      <p:sp>
+        <p:nvSpPr>
+          <p:cNvPr id="4" name="Content Placeholder 3">
+            <a:extLst>
+              <a:ext uri="{FF2B5EF4-FFF2-40B4-BE49-F238E27FC236}">
+                <a16:creationId xmlns:a16="http://schemas.microsoft.com/office/drawing/2014/main" id="{FFDE3E9A-AEA5-497E-A4A5-04C5FE1E9DE8}"/>
+              </a:ext>
+            </a:extLst>
+          </p:cNvPr>
+          <p:cNvSpPr>
+            <a:spLocks noGrp="1"/>
+          </p:cNvSpPr>
+          <p:nvPr>
+            <p:ph sz="quarter" idx="20"/>
+          </p:nvPr>
+        </p:nvSpPr>
+        <p:spPr/>
+        <p:txBody>
+          <a:bodyPr/>
+          <a:lstStyle/>
+          <a:p>
+            <a:r>
+              <a:rPr lang="en-US" dirty="0"/>
+              <a:t>Emissions by sector and subsector for milestone years and all scenarios</a:t>
+            </a:r>
+          </a:p>
+          <a:p>
+            <a:pPr lvl="1"/>
+            <a:r>
+              <a:rPr lang="en-US" dirty="0"/>
+              <a:t>Transportation, buildings, industry, electricity</a:t>
+            </a:r>
+          </a:p>
+          <a:p>
+            <a:r>
+              <a:rPr lang="en-US" dirty="0"/>
+              <a:t>Residual emissions by sector and scenario</a:t>
+            </a:r>
+          </a:p>
+          <a:p>
+            <a:endParaRPr lang="en-US" dirty="0"/>
+          </a:p>
+          <a:p>
+            <a:r>
+              <a:rPr lang="en-US" dirty="0"/>
+              <a:t>Specific discrepancies in the KLCAP2050</a:t>
+            </a:r>
+          </a:p>
+          <a:p>
+            <a:pPr lvl="1"/>
+            <a:r>
+              <a:rPr lang="en-US" dirty="0"/>
+              <a:t>Sectoral emissions in 2017 do not total to BAU values</a:t>
+            </a:r>
+          </a:p>
+          <a:p>
+            <a:pPr lvl="2"/>
+            <a:r>
+              <a:rPr lang="en-US" sz="2200" dirty="0"/>
+              <a:t>Multiple values in text for each sector, and table 3 and figure 10 differ from text</a:t>
+            </a:r>
+          </a:p>
+          <a:p>
+            <a:pPr lvl="1"/>
+            <a:r>
+              <a:rPr lang="en-US" dirty="0"/>
+              <a:t>Council-Led emissions have multiple values listed in the text</a:t>
+            </a:r>
+          </a:p>
+          <a:p>
+            <a:pPr lvl="1"/>
+            <a:r>
+              <a:rPr lang="en-US" dirty="0"/>
+              <a:t>Figure 17 (residual emissions) leave Integrated Approach emissions higher than C-L</a:t>
+            </a:r>
+          </a:p>
+          <a:p>
+            <a:pPr lvl="1"/>
+            <a:endParaRPr lang="en-US" dirty="0"/>
+          </a:p>
+          <a:p>
+            <a:r>
+              <a:rPr lang="en-US" dirty="0"/>
+              <a:t>Societal Implications we are planning on investigating:</a:t>
+            </a:r>
+          </a:p>
+          <a:p>
+            <a:pPr lvl="1"/>
+            <a:r>
+              <a:rPr lang="en-US" dirty="0">
+                <a:effectLst/>
+                <a:latin typeface="Calibri" panose="020F0502020204030204" pitchFamily="34" charset="0"/>
+                <a:ea typeface="Calibri" panose="020F0502020204030204" pitchFamily="34" charset="0"/>
+                <a:cs typeface="Times New Roman" panose="02020603050405020304" pitchFamily="18" charset="0"/>
+              </a:rPr>
+              <a:t>Employment generated or lost by technology investments in key energy sectors affected by decarbonization-driven policies</a:t>
+            </a:r>
+            <a:endParaRPr lang="en-US" dirty="0"/>
+          </a:p>
+          <a:p>
+            <a:pPr lvl="1"/>
+            <a:endParaRPr lang="en-US" dirty="0"/>
+          </a:p>
+        </p:txBody>
+      </p:sp>
+    </p:spTree>
+    <p:extLst>
+      <p:ext uri="{BB962C8B-B14F-4D97-AF65-F5344CB8AC3E}">
+        <p14:creationId xmlns:p14="http://schemas.microsoft.com/office/powerpoint/2010/main" val="1288863397"/>
+      </p:ext>
+    </p:extLst>
+  </p:cSld>
+  <p:clrMapOvr>
+    <a:masterClrMapping/>
+  </p:clrMapOvr>
+  <mc:AlternateContent xmlns:mc="http://schemas.openxmlformats.org/markup-compatibility/2006" xmlns:p14="http://schemas.microsoft.com/office/powerpoint/2010/main">
+    <mc:Choice Requires="p14">
+      <p:transition spd="med" p14:dur="700">
+        <p:fade/>
+      </p:transition>
+    </mc:Choice>
+    <mc:Fallback xmlns="">
+      <p:transition spd="med">
+        <p:fade/>
+      </p:transition>
+    </mc:Fallback>
+  </mc:AlternateContent>
+</p:sld>
+</file>
+
+<file path=ppt/slides/slide8.xml><?xml version="1.0" encoding="utf-8"?>
+<p:sld xmlns:a="http://schemas.openxmlformats.org/drawingml/2006/main" xmlns:r="http://schemas.openxmlformats.org/officeDocument/2006/relationships" xmlns:p="http://schemas.openxmlformats.org/presentationml/2006/main">
+  <p:cSld>
+    <p:spTree>
+      <p:nvGrpSpPr>
+        <p:cNvPr id="1" name=""/>
+        <p:cNvGrpSpPr/>
+        <p:nvPr/>
+      </p:nvGrpSpPr>
+      <p:grpSpPr>
+        <a:xfrm>
+          <a:off x="0" y="0"/>
+          <a:ext cx="0" cy="0"/>
+          <a:chOff x="0" y="0"/>
+          <a:chExt cx="0" cy="0"/>
+        </a:xfrm>
+      </p:grpSpPr>
+      <p:sp>
+        <p:nvSpPr>
+          <p:cNvPr id="2" name="Slide Number Placeholder 1">
+            <a:extLst>
+              <a:ext uri="{FF2B5EF4-FFF2-40B4-BE49-F238E27FC236}">
+                <a16:creationId xmlns:a16="http://schemas.microsoft.com/office/drawing/2014/main" id="{E4ED456F-C7E1-468B-A08F-5C355496E675}"/>
+              </a:ext>
+            </a:extLst>
+          </p:cNvPr>
+          <p:cNvSpPr>
+            <a:spLocks noGrp="1"/>
+          </p:cNvSpPr>
+          <p:nvPr>
+            <p:ph type="sldNum" sz="quarter" idx="12"/>
+          </p:nvPr>
+        </p:nvSpPr>
+        <p:spPr/>
+        <p:txBody>
+          <a:bodyPr/>
+          <a:lstStyle/>
+          <a:p>
+            <a:fld id="{FE7A4BB3-E848-5A44-82DF-322201952CD8}" type="slidenum">
+              <a:rPr lang="en-US" smtClean="0"/>
+              <a:pPr/>
+              <a:t>8</a:t>
+            </a:fld>
+            <a:endParaRPr lang="en-US" dirty="0"/>
+          </a:p>
+        </p:txBody>
+      </p:sp>
+      <p:sp>
+        <p:nvSpPr>
+          <p:cNvPr id="3" name="Title 2">
+            <a:extLst>
+              <a:ext uri="{FF2B5EF4-FFF2-40B4-BE49-F238E27FC236}">
+                <a16:creationId xmlns:a16="http://schemas.microsoft.com/office/drawing/2014/main" id="{EDE5124A-A503-4F81-B839-27CFE2F8EFCC}"/>
+              </a:ext>
+            </a:extLst>
+          </p:cNvPr>
+          <p:cNvSpPr>
+            <a:spLocks noGrp="1"/>
+          </p:cNvSpPr>
+          <p:nvPr>
+            <p:ph type="title"/>
+          </p:nvPr>
+        </p:nvSpPr>
+        <p:spPr/>
+        <p:txBody>
+          <a:bodyPr/>
+          <a:lstStyle/>
+          <a:p>
+            <a:r>
+              <a:rPr lang="en-US" dirty="0"/>
+              <a:t>Data needs/questions</a:t>
+            </a:r>
+          </a:p>
+        </p:txBody>
+      </p:sp>
+      <p:sp>
+        <p:nvSpPr>
+          <p:cNvPr id="4" name="Content Placeholder 3">
+            <a:extLst>
+              <a:ext uri="{FF2B5EF4-FFF2-40B4-BE49-F238E27FC236}">
+                <a16:creationId xmlns:a16="http://schemas.microsoft.com/office/drawing/2014/main" id="{B3F2E074-97D0-4E9F-888B-1FB35A580283}"/>
+              </a:ext>
+            </a:extLst>
+          </p:cNvPr>
+          <p:cNvSpPr>
+            <a:spLocks noGrp="1"/>
+          </p:cNvSpPr>
+          <p:nvPr>
+            <p:ph sz="quarter" idx="20"/>
+          </p:nvPr>
+        </p:nvSpPr>
+        <p:spPr/>
+        <p:txBody>
+          <a:bodyPr/>
+          <a:lstStyle/>
+          <a:p>
+            <a:r>
+              <a:rPr lang="en-US" dirty="0"/>
+              <a:t>Questions from UTM</a:t>
+            </a:r>
+          </a:p>
+        </p:txBody>
+      </p:sp>
+    </p:spTree>
+    <p:extLst>
+      <p:ext uri="{BB962C8B-B14F-4D97-AF65-F5344CB8AC3E}">
+        <p14:creationId xmlns:p14="http://schemas.microsoft.com/office/powerpoint/2010/main" val="2453578188"/>
+      </p:ext>
+    </p:extLst>
+  </p:cSld>
+  <p:clrMapOvr>
+    <a:masterClrMapping/>
+  </p:clrMapOvr>
+  <mc:AlternateContent xmlns:mc="http://schemas.openxmlformats.org/markup-compatibility/2006" xmlns:p14="http://schemas.microsoft.com/office/powerpoint/2010/main">
+    <mc:Choice Requires="p14">
+      <p:transition spd="med" p14:dur="700">
+        <p:fade/>
+      </p:transition>
+    </mc:Choice>
+    <mc:Fallback xmlns="">
+      <p:transition spd="med">
+        <p:fade/>
+      </p:transition>
+    </mc:Fallback>
+  </mc:AlternateContent>
+</p:sld>
+</file>
+
+<file path=ppt/slides/slide9.xml><?xml version="1.0" encoding="utf-8"?>
+<p:sld xmlns:a="http://schemas.openxmlformats.org/drawingml/2006/main" xmlns:r="http://schemas.openxmlformats.org/officeDocument/2006/relationships" xmlns:p="http://schemas.openxmlformats.org/presentationml/2006/main">
+  <p:cSld>
+    <p:spTree>
+      <p:nvGrpSpPr>
+        <p:cNvPr id="1" name=""/>
+        <p:cNvGrpSpPr/>
+        <p:nvPr/>
+      </p:nvGrpSpPr>
+      <p:grpSpPr>
+        <a:xfrm>
+          <a:off x="0" y="0"/>
+          <a:ext cx="0" cy="0"/>
+          <a:chOff x="0" y="0"/>
+          <a:chExt cx="0" cy="0"/>
+        </a:xfrm>
+      </p:grpSpPr>
+      <p:sp>
+        <p:nvSpPr>
+          <p:cNvPr id="2" name="Slide Number Placeholder 1">
+            <a:extLst>
+              <a:ext uri="{FF2B5EF4-FFF2-40B4-BE49-F238E27FC236}">
+                <a16:creationId xmlns:a16="http://schemas.microsoft.com/office/drawing/2014/main" id="{F7433BB6-ACB2-4953-9ADC-C0F78F3BD058}"/>
+              </a:ext>
+            </a:extLst>
+          </p:cNvPr>
+          <p:cNvSpPr>
+            <a:spLocks noGrp="1"/>
+          </p:cNvSpPr>
+          <p:nvPr>
+            <p:ph type="sldNum" sz="quarter" idx="12"/>
+          </p:nvPr>
+        </p:nvSpPr>
+        <p:spPr/>
+        <p:txBody>
+          <a:bodyPr/>
+          <a:lstStyle/>
+          <a:p>
+            <a:fld id="{FE7A4BB3-E848-5A44-82DF-322201952CD8}" type="slidenum">
+              <a:rPr lang="en-US" smtClean="0"/>
+              <a:pPr/>
+              <a:t>9</a:t>
             </a:fld>
             <a:endParaRPr lang="en-US" dirty="0"/>
           </a:p>
